--- a/materi/Rekayasa Perangkat Lunak-12.pptx
+++ b/materi/Rekayasa Perangkat Lunak-12.pptx
@@ -3906,23 +3906,7 @@
                   <a:srgbClr val="FFFF00"/>
                 </a:solidFill>
               </a:rPr>
-              <a:t> </a:t>
-            </a:r>
-            <a:r>
-              <a:rPr lang="en-US" sz="3200" b="1" dirty="0" smtClean="0">
-                <a:solidFill>
-                  <a:srgbClr val="FFFF00"/>
-                </a:solidFill>
-              </a:rPr>
-              <a:t>XIV </a:t>
-            </a:r>
-            <a:r>
-              <a:rPr lang="en-US" sz="3200" b="1" dirty="0" smtClean="0">
-                <a:solidFill>
-                  <a:srgbClr val="FFFF00"/>
-                </a:solidFill>
-              </a:rPr>
-              <a:t>: </a:t>
+              <a:t> XIV : </a:t>
             </a:r>
           </a:p>
           <a:p>
@@ -3935,11 +3919,6 @@
               </a:rPr>
               <a:t>OO Concept</a:t>
             </a:r>
-            <a:endParaRPr lang="en-US" sz="3200" b="1" dirty="0" smtClean="0">
-              <a:solidFill>
-                <a:srgbClr val="FFFF00"/>
-              </a:solidFill>
-            </a:endParaRPr>
           </a:p>
           <a:p>
             <a:pPr algn="ctr"/>
@@ -4256,6 +4235,13 @@
   <p:clrMapOvr>
     <a:masterClrMapping/>
   </p:clrMapOvr>
+  <p:timing>
+    <p:tnLst>
+      <p:par>
+        <p:cTn id="1" dur="indefinite" restart="never" nodeType="tmRoot"/>
+      </p:par>
+    </p:tnLst>
+  </p:timing>
 </p:sld>
 </file>
 
@@ -4516,6 +4502,13 @@
   <p:clrMapOvr>
     <a:masterClrMapping/>
   </p:clrMapOvr>
+  <p:timing>
+    <p:tnLst>
+      <p:par>
+        <p:cTn id="1" dur="indefinite" restart="never" nodeType="tmRoot"/>
+      </p:par>
+    </p:tnLst>
+  </p:timing>
 </p:sld>
 </file>
 
@@ -4660,6 +4653,13 @@
   <p:clrMapOvr>
     <a:masterClrMapping/>
   </p:clrMapOvr>
+  <p:timing>
+    <p:tnLst>
+      <p:par>
+        <p:cTn id="1" dur="indefinite" restart="never" nodeType="tmRoot"/>
+      </p:par>
+    </p:tnLst>
+  </p:timing>
 </p:sld>
 </file>
 
@@ -4962,6 +4962,13 @@
   <p:clrMapOvr>
     <a:masterClrMapping/>
   </p:clrMapOvr>
+  <p:timing>
+    <p:tnLst>
+      <p:par>
+        <p:cTn id="1" dur="indefinite" restart="never" nodeType="tmRoot"/>
+      </p:par>
+    </p:tnLst>
+  </p:timing>
 </p:sld>
 </file>
 
@@ -5182,6 +5189,13 @@
   <p:clrMapOvr>
     <a:masterClrMapping/>
   </p:clrMapOvr>
+  <p:timing>
+    <p:tnLst>
+      <p:par>
+        <p:cTn id="1" dur="indefinite" restart="never" nodeType="tmRoot"/>
+      </p:par>
+    </p:tnLst>
+  </p:timing>
 </p:sld>
 </file>
 
@@ -5302,8 +5316,8 @@
         </p:blipFill>
         <p:spPr bwMode="auto">
           <a:xfrm>
-            <a:off x="3214688" y="1828800"/>
-            <a:ext cx="2713037" cy="4184650"/>
+            <a:off x="4343400" y="685800"/>
+            <a:ext cx="3795712" cy="5854593"/>
           </a:xfrm>
           <a:prstGeom prst="rect">
             <a:avLst/>
@@ -5358,6 +5372,13 @@
   <p:clrMapOvr>
     <a:masterClrMapping/>
   </p:clrMapOvr>
+  <p:timing>
+    <p:tnLst>
+      <p:par>
+        <p:cTn id="1" dur="indefinite" restart="never" nodeType="tmRoot"/>
+      </p:par>
+    </p:tnLst>
+  </p:timing>
 </p:sld>
 </file>
 
@@ -5499,6 +5520,13 @@
   <p:clrMapOvr>
     <a:masterClrMapping/>
   </p:clrMapOvr>
+  <p:timing>
+    <p:tnLst>
+      <p:par>
+        <p:cTn id="1" dur="indefinite" restart="never" nodeType="tmRoot"/>
+      </p:par>
+    </p:tnLst>
+  </p:timing>
 </p:sld>
 </file>
 
@@ -5585,8 +5613,8 @@
         </p:nvSpPr>
         <p:spPr>
           <a:xfrm>
-            <a:off x="1219200" y="1066800"/>
-            <a:ext cx="6305550" cy="685800"/>
+            <a:off x="304800" y="1066800"/>
+            <a:ext cx="3886200" cy="685800"/>
           </a:xfrm>
         </p:spPr>
         <p:txBody>
@@ -5596,7 +5624,7 @@
           <a:lstStyle/>
           <a:p>
             <a:r>
-              <a:rPr lang="en-US"/>
+              <a:rPr lang="en-US" dirty="0"/>
               <a:t>Deployment Elements</a:t>
             </a:r>
           </a:p>
@@ -5619,8 +5647,8 @@
         </p:blipFill>
         <p:spPr bwMode="auto">
           <a:xfrm>
-            <a:off x="3087688" y="1981200"/>
-            <a:ext cx="2967037" cy="4105275"/>
+            <a:off x="4267200" y="451632"/>
+            <a:ext cx="4303712" cy="5954736"/>
           </a:xfrm>
           <a:prstGeom prst="rect">
             <a:avLst/>
@@ -5675,6 +5703,13 @@
   <p:clrMapOvr>
     <a:masterClrMapping/>
   </p:clrMapOvr>
+  <p:timing>
+    <p:tnLst>
+      <p:par>
+        <p:cTn id="1" dur="indefinite" restart="never" nodeType="tmRoot"/>
+      </p:par>
+    </p:tnLst>
+  </p:timing>
 </p:sld>
 </file>
 
